--- a/Lectures & Lesroosters.pptx
+++ b/Lectures & Lesroosters.pptx
@@ -9,8 +9,12 @@
     <p:sldId id="257" r:id="rId3"/>
     <p:sldId id="260" r:id="rId4"/>
     <p:sldId id="258" r:id="rId5"/>
-    <p:sldId id="259" r:id="rId6"/>
-    <p:sldId id="261" r:id="rId7"/>
+    <p:sldId id="262" r:id="rId6"/>
+    <p:sldId id="263" r:id="rId7"/>
+    <p:sldId id="264" r:id="rId8"/>
+    <p:sldId id="265" r:id="rId9"/>
+    <p:sldId id="259" r:id="rId10"/>
+    <p:sldId id="261" r:id="rId11"/>
   </p:sldIdLst>
   <p:sldSz cx="12192000" cy="6858000"/>
   <p:notesSz cx="6858000" cy="9144000"/>
@@ -109,6 +113,11 @@
       </a:defRPr>
     </a:lvl9pPr>
   </p:defaultTextStyle>
+  <p:extLst>
+    <p:ext uri="{EFAFB233-063F-42B5-8137-9DF3F51BA10A}">
+      <p15:sldGuideLst xmlns:p15="http://schemas.microsoft.com/office/powerpoint/2012/main"/>
+    </p:ext>
+  </p:extLst>
 </p:presentation>
 </file>
 
@@ -5855,7 +5864,7 @@
             </a:r>
             <a:r>
               <a:rPr lang="nl-NL" dirty="0" err="1"/>
-              <a:t>Reijcke</a:t>
+              <a:t>Rijcke</a:t>
             </a:r>
             <a:endParaRPr lang="nl-NL" dirty="0"/>
           </a:p>
@@ -5872,6 +5881,59 @@
     <p:extLst>
       <p:ext uri="{BB962C8B-B14F-4D97-AF65-F5344CB8AC3E}">
         <p14:creationId xmlns:p14="http://schemas.microsoft.com/office/powerpoint/2010/main" val="2190824486"/>
+      </p:ext>
+    </p:extLst>
+  </p:cSld>
+  <p:clrMapOvr>
+    <a:masterClrMapping/>
+  </p:clrMapOvr>
+</p:sld>
+</file>
+
+<file path=ppt/slides/slide10.xml><?xml version="1.0" encoding="utf-8"?>
+<p:sld xmlns:a="http://schemas.openxmlformats.org/drawingml/2006/main" xmlns:r="http://schemas.openxmlformats.org/officeDocument/2006/relationships" xmlns:p="http://schemas.openxmlformats.org/presentationml/2006/main">
+  <p:cSld>
+    <p:spTree>
+      <p:nvGrpSpPr>
+        <p:cNvPr id="1" name=""/>
+        <p:cNvGrpSpPr/>
+        <p:nvPr/>
+      </p:nvGrpSpPr>
+      <p:grpSpPr>
+        <a:xfrm>
+          <a:off x="0" y="0"/>
+          <a:ext cx="0" cy="0"/>
+          <a:chOff x="0" y="0"/>
+          <a:chExt cx="0" cy="0"/>
+        </a:xfrm>
+      </p:grpSpPr>
+      <p:sp>
+        <p:nvSpPr>
+          <p:cNvPr id="2" name="Titel 1"/>
+          <p:cNvSpPr>
+            <a:spLocks noGrp="1"/>
+          </p:cNvSpPr>
+          <p:nvPr>
+            <p:ph type="ctrTitle"/>
+          </p:nvPr>
+        </p:nvSpPr>
+        <p:spPr/>
+        <p:txBody>
+          <a:bodyPr/>
+          <a:lstStyle/>
+          <a:p>
+            <a:r>
+              <a:rPr lang="nl-NL" dirty="0"/>
+              <a:t>Vragen en feedback</a:t>
+            </a:r>
+            <a:endParaRPr lang="en-US" dirty="0"/>
+          </a:p>
+        </p:txBody>
+      </p:sp>
+    </p:spTree>
+    <p:extLst>
+      <p:ext uri="{BB962C8B-B14F-4D97-AF65-F5344CB8AC3E}">
+        <p14:creationId xmlns:p14="http://schemas.microsoft.com/office/powerpoint/2010/main" val="1604510357"/>
       </p:ext>
     </p:extLst>
   </p:cSld>
@@ -5944,7 +6006,7 @@
           <a:p>
             <a:r>
               <a:rPr lang="nl-NL" sz="2800" dirty="0"/>
-              <a:t>Geldig vs. Goed rooster</a:t>
+              <a:t>Geldig vs. Goed rooster (5 punten van aandacht)</a:t>
             </a:r>
           </a:p>
           <a:p>
@@ -6070,6 +6132,9 @@
             <a:endParaRPr lang="nl-NL" sz="2800" dirty="0"/>
           </a:p>
           <a:p>
+            <a:endParaRPr lang="nl-NL" sz="2800" dirty="0"/>
+          </a:p>
+          <a:p>
             <a:endParaRPr lang="en-US" sz="2800" dirty="0"/>
           </a:p>
         </p:txBody>
@@ -6121,7 +6186,7 @@
           <a:p>
             <a:r>
               <a:rPr lang="nl-NL" dirty="0"/>
-              <a:t>Geldig vs. Goed rooster</a:t>
+              <a:t>1/5 Alle roosterbare activiteiten hebben een tijdsslot en zaal (zaalslot)</a:t>
             </a:r>
             <a:endParaRPr lang="en-US" dirty="0"/>
           </a:p>
@@ -6140,41 +6205,14 @@
         <p:spPr/>
         <p:txBody>
           <a:bodyPr>
-            <a:normAutofit lnSpcReduction="10000"/>
+            <a:normAutofit/>
           </a:bodyPr>
           <a:lstStyle/>
           <a:p>
             <a:r>
               <a:rPr lang="nl-NL" sz="2800" dirty="0"/>
-              <a:t>Alle roosterbare activiteiten hebben een tijdsslot en zaal (zaalslot)</a:t>
-            </a:r>
-          </a:p>
-          <a:p>
-            <a:r>
-              <a:rPr lang="nl-NL" sz="2800" dirty="0"/>
-              <a:t>Activiteiten per vak zoveel mogelijk verdeeld over de week</a:t>
-            </a:r>
-          </a:p>
-          <a:p>
-            <a:r>
-              <a:rPr lang="nl-NL" sz="2800" dirty="0"/>
-              <a:t>Studenten passen in zaal</a:t>
-            </a:r>
-          </a:p>
-          <a:p>
-            <a:r>
-              <a:rPr lang="nl-NL" sz="2800" dirty="0"/>
-              <a:t>Zo min mogelijk roosterconflicten per student</a:t>
-            </a:r>
-          </a:p>
-          <a:p>
-            <a:r>
-              <a:rPr lang="nl-NL" sz="2800" dirty="0"/>
-              <a:t>Werkgroepen en practica opgedeeld in zo min mogelijk groepen</a:t>
-            </a:r>
-          </a:p>
-          <a:p>
-            <a:endParaRPr lang="en-US" dirty="0"/>
+              <a:t>1000 punten</a:t>
+            </a:r>
           </a:p>
         </p:txBody>
       </p:sp>
@@ -6220,64 +6258,82 @@
         </p:nvSpPr>
         <p:spPr/>
         <p:txBody>
-          <a:bodyPr/>
-          <a:lstStyle/>
-          <a:p>
-            <a:r>
-              <a:rPr lang="nl-NL" dirty="0"/>
-              <a:t>Eerste stappen</a:t>
-            </a:r>
-            <a:endParaRPr lang="en-US" dirty="0"/>
-          </a:p>
-        </p:txBody>
-      </p:sp>
-      <p:sp>
-        <p:nvSpPr>
-          <p:cNvPr id="3" name="Tijdelijke aanduiding voor inhoud 2"/>
-          <p:cNvSpPr>
-            <a:spLocks noGrp="1"/>
-          </p:cNvSpPr>
-          <p:nvPr>
-            <p:ph idx="1"/>
-          </p:nvPr>
-        </p:nvSpPr>
-        <p:spPr/>
-        <p:txBody>
           <a:bodyPr>
             <a:normAutofit/>
           </a:bodyPr>
           <a:lstStyle/>
           <a:p>
             <a:r>
+              <a:rPr lang="nl-NL" dirty="0"/>
+              <a:t>2/5 Activiteiten per vak zoveel mogelijk verdeeld over de week</a:t>
+            </a:r>
+          </a:p>
+        </p:txBody>
+      </p:sp>
+      <p:sp>
+        <p:nvSpPr>
+          <p:cNvPr id="3" name="Tijdelijke aanduiding voor inhoud 2"/>
+          <p:cNvSpPr>
+            <a:spLocks noGrp="1"/>
+          </p:cNvSpPr>
+          <p:nvPr>
+            <p:ph idx="1"/>
+          </p:nvPr>
+        </p:nvSpPr>
+        <p:spPr/>
+        <p:txBody>
+          <a:bodyPr>
+            <a:normAutofit/>
+          </a:bodyPr>
+          <a:lstStyle/>
+          <a:p>
+            <a:r>
               <a:rPr lang="nl-NL" sz="2800" dirty="0"/>
-              <a:t>Inladen van informatie over zaal, vak en student via CSV bestanden</a:t>
-            </a:r>
+              <a:t>+20 per vak van 2-4 activiteiten</a:t>
+            </a:r>
+          </a:p>
+          <a:p>
+            <a:pPr lvl="1"/>
+            <a:r>
+              <a:rPr lang="nl-NL" sz="2400" dirty="0"/>
+              <a:t>Voor 2 activiteiten is dat ma-do of di-vr</a:t>
+            </a:r>
+          </a:p>
+          <a:p>
+            <a:pPr lvl="1"/>
+            <a:r>
+              <a:rPr lang="nl-NL" sz="2400" dirty="0"/>
+              <a:t>Voor 3 ma-wo-vr</a:t>
+            </a:r>
+          </a:p>
+          <a:p>
+            <a:pPr lvl="1"/>
+            <a:r>
+              <a:rPr lang="nl-NL" sz="2400" dirty="0"/>
+              <a:t>Voor 4 ma-di-do-vr</a:t>
+            </a:r>
+            <a:endParaRPr lang="nl-NL" sz="2600" dirty="0"/>
           </a:p>
           <a:p>
             <a:r>
               <a:rPr lang="nl-NL" sz="2800" dirty="0"/>
-              <a:t>Vak centraal stellen zodat geen enkel vak twee keer gegeven hoeft te worden</a:t>
-            </a:r>
-          </a:p>
-          <a:p>
-            <a:r>
-              <a:rPr lang="nl-NL" sz="2800"/>
-              <a:t>Classes creëren </a:t>
-            </a:r>
-            <a:r>
-              <a:rPr lang="nl-NL" sz="2800" dirty="0"/>
-              <a:t>voor zaal, vak en student</a:t>
-            </a:r>
-          </a:p>
-          <a:p>
-            <a:endParaRPr lang="en-US" sz="2800" dirty="0"/>
+              <a:t>-10 als ze op activiteiten – 1 dagen geroosterd zijn</a:t>
+            </a:r>
+          </a:p>
+          <a:p>
+            <a:pPr lvl="1"/>
+            <a:r>
+              <a:rPr lang="nl-NL" sz="2600" dirty="0"/>
+              <a:t>En -20 bij activiteiten -2 dagen et cetera</a:t>
+            </a:r>
+            <a:endParaRPr lang="en-US" sz="2600" dirty="0"/>
           </a:p>
         </p:txBody>
       </p:sp>
     </p:spTree>
     <p:extLst>
       <p:ext uri="{BB962C8B-B14F-4D97-AF65-F5344CB8AC3E}">
-        <p14:creationId xmlns:p14="http://schemas.microsoft.com/office/powerpoint/2010/main" val="956271219"/>
+        <p14:creationId xmlns:p14="http://schemas.microsoft.com/office/powerpoint/2010/main" val="3359128658"/>
       </p:ext>
     </p:extLst>
   </p:cSld>
@@ -6311,26 +6367,339 @@
             <a:spLocks noGrp="1"/>
           </p:cNvSpPr>
           <p:nvPr>
-            <p:ph type="ctrTitle"/>
+            <p:ph type="title"/>
           </p:nvPr>
         </p:nvSpPr>
         <p:spPr/>
         <p:txBody>
-          <a:bodyPr/>
+          <a:bodyPr>
+            <a:normAutofit/>
+          </a:bodyPr>
           <a:lstStyle/>
           <a:p>
             <a:r>
               <a:rPr lang="nl-NL" dirty="0"/>
-              <a:t>Vragen en feedback</a:t>
-            </a:r>
-            <a:endParaRPr lang="en-US" dirty="0"/>
+              <a:t>3/5 Studenten passen in zaal</a:t>
+            </a:r>
+            <a:br>
+              <a:rPr lang="nl-NL" dirty="0"/>
+            </a:br>
+            <a:endParaRPr lang="nl-NL" dirty="0"/>
+          </a:p>
+        </p:txBody>
+      </p:sp>
+      <p:sp>
+        <p:nvSpPr>
+          <p:cNvPr id="3" name="Tijdelijke aanduiding voor inhoud 2"/>
+          <p:cNvSpPr>
+            <a:spLocks noGrp="1"/>
+          </p:cNvSpPr>
+          <p:nvPr>
+            <p:ph idx="1"/>
+          </p:nvPr>
+        </p:nvSpPr>
+        <p:spPr/>
+        <p:txBody>
+          <a:bodyPr>
+            <a:normAutofit/>
+          </a:bodyPr>
+          <a:lstStyle/>
+          <a:p>
+            <a:r>
+              <a:rPr lang="nl-NL" sz="2600" dirty="0"/>
+              <a:t>-1 per ingeschreven student die er niet inpast</a:t>
+            </a:r>
+            <a:endParaRPr lang="en-US" sz="2600" dirty="0"/>
           </a:p>
         </p:txBody>
       </p:sp>
     </p:spTree>
     <p:extLst>
       <p:ext uri="{BB962C8B-B14F-4D97-AF65-F5344CB8AC3E}">
-        <p14:creationId xmlns:p14="http://schemas.microsoft.com/office/powerpoint/2010/main" val="1604510357"/>
+        <p14:creationId xmlns:p14="http://schemas.microsoft.com/office/powerpoint/2010/main" val="1265621225"/>
+      </p:ext>
+    </p:extLst>
+  </p:cSld>
+  <p:clrMapOvr>
+    <a:masterClrMapping/>
+  </p:clrMapOvr>
+</p:sld>
+</file>
+
+<file path=ppt/slides/slide7.xml><?xml version="1.0" encoding="utf-8"?>
+<p:sld xmlns:a="http://schemas.openxmlformats.org/drawingml/2006/main" xmlns:r="http://schemas.openxmlformats.org/officeDocument/2006/relationships" xmlns:p="http://schemas.openxmlformats.org/presentationml/2006/main">
+  <p:cSld>
+    <p:spTree>
+      <p:nvGrpSpPr>
+        <p:cNvPr id="1" name=""/>
+        <p:cNvGrpSpPr/>
+        <p:nvPr/>
+      </p:nvGrpSpPr>
+      <p:grpSpPr>
+        <a:xfrm>
+          <a:off x="0" y="0"/>
+          <a:ext cx="0" cy="0"/>
+          <a:chOff x="0" y="0"/>
+          <a:chExt cx="0" cy="0"/>
+        </a:xfrm>
+      </p:grpSpPr>
+      <p:sp>
+        <p:nvSpPr>
+          <p:cNvPr id="2" name="Titel 1"/>
+          <p:cNvSpPr>
+            <a:spLocks noGrp="1"/>
+          </p:cNvSpPr>
+          <p:nvPr>
+            <p:ph type="title"/>
+          </p:nvPr>
+        </p:nvSpPr>
+        <p:spPr>
+          <a:xfrm>
+            <a:off x="144379" y="609600"/>
+            <a:ext cx="9657347" cy="1320800"/>
+          </a:xfrm>
+        </p:spPr>
+        <p:txBody>
+          <a:bodyPr>
+            <a:normAutofit fontScale="90000"/>
+          </a:bodyPr>
+          <a:lstStyle/>
+          <a:p>
+            <a:r>
+              <a:rPr lang="nl-NL" dirty="0"/>
+              <a:t>4/5 Zo min mogelijk roosterconflicten per student</a:t>
+            </a:r>
+            <a:br>
+              <a:rPr lang="nl-NL" dirty="0"/>
+            </a:br>
+            <a:br>
+              <a:rPr lang="nl-NL" dirty="0"/>
+            </a:br>
+            <a:endParaRPr lang="nl-NL" dirty="0"/>
+          </a:p>
+        </p:txBody>
+      </p:sp>
+      <p:sp>
+        <p:nvSpPr>
+          <p:cNvPr id="3" name="Tijdelijke aanduiding voor inhoud 2"/>
+          <p:cNvSpPr>
+            <a:spLocks noGrp="1"/>
+          </p:cNvSpPr>
+          <p:nvPr>
+            <p:ph idx="1"/>
+          </p:nvPr>
+        </p:nvSpPr>
+        <p:spPr/>
+        <p:txBody>
+          <a:bodyPr>
+            <a:normAutofit/>
+          </a:bodyPr>
+          <a:lstStyle/>
+          <a:p>
+            <a:r>
+              <a:rPr lang="nl-NL" sz="2600" dirty="0"/>
+              <a:t>-1 per conflict</a:t>
+            </a:r>
+          </a:p>
+          <a:p>
+            <a:r>
+              <a:rPr lang="nl-NL" sz="2600" dirty="0"/>
+              <a:t>Conflict: meer dan één activiteit in een tijdsslot</a:t>
+            </a:r>
+            <a:endParaRPr lang="en-US" sz="2600" dirty="0"/>
+          </a:p>
+        </p:txBody>
+      </p:sp>
+    </p:spTree>
+    <p:extLst>
+      <p:ext uri="{BB962C8B-B14F-4D97-AF65-F5344CB8AC3E}">
+        <p14:creationId xmlns:p14="http://schemas.microsoft.com/office/powerpoint/2010/main" val="1981297198"/>
+      </p:ext>
+    </p:extLst>
+  </p:cSld>
+  <p:clrMapOvr>
+    <a:masterClrMapping/>
+  </p:clrMapOvr>
+</p:sld>
+</file>
+
+<file path=ppt/slides/slide8.xml><?xml version="1.0" encoding="utf-8"?>
+<p:sld xmlns:a="http://schemas.openxmlformats.org/drawingml/2006/main" xmlns:r="http://schemas.openxmlformats.org/officeDocument/2006/relationships" xmlns:p="http://schemas.openxmlformats.org/presentationml/2006/main">
+  <p:cSld>
+    <p:spTree>
+      <p:nvGrpSpPr>
+        <p:cNvPr id="1" name=""/>
+        <p:cNvGrpSpPr/>
+        <p:nvPr/>
+      </p:nvGrpSpPr>
+      <p:grpSpPr>
+        <a:xfrm>
+          <a:off x="0" y="0"/>
+          <a:ext cx="0" cy="0"/>
+          <a:chOff x="0" y="0"/>
+          <a:chExt cx="0" cy="0"/>
+        </a:xfrm>
+      </p:grpSpPr>
+      <p:sp>
+        <p:nvSpPr>
+          <p:cNvPr id="2" name="Titel 1"/>
+          <p:cNvSpPr>
+            <a:spLocks noGrp="1"/>
+          </p:cNvSpPr>
+          <p:nvPr>
+            <p:ph type="title"/>
+          </p:nvPr>
+        </p:nvSpPr>
+        <p:spPr>
+          <a:xfrm>
+            <a:off x="677334" y="609600"/>
+            <a:ext cx="8596668" cy="1320800"/>
+          </a:xfrm>
+        </p:spPr>
+        <p:txBody>
+          <a:bodyPr>
+            <a:normAutofit fontScale="90000"/>
+          </a:bodyPr>
+          <a:lstStyle/>
+          <a:p>
+            <a:r>
+              <a:rPr lang="nl-NL" dirty="0"/>
+              <a:t>5/5 Werkgroepen en practica opgedeeld in zo min mogelijk groepen</a:t>
+            </a:r>
+            <a:br>
+              <a:rPr lang="nl-NL" dirty="0"/>
+            </a:br>
+            <a:br>
+              <a:rPr lang="nl-NL" dirty="0"/>
+            </a:br>
+            <a:br>
+              <a:rPr lang="nl-NL" dirty="0"/>
+            </a:br>
+            <a:endParaRPr lang="nl-NL" dirty="0"/>
+          </a:p>
+        </p:txBody>
+      </p:sp>
+      <p:sp>
+        <p:nvSpPr>
+          <p:cNvPr id="3" name="Tijdelijke aanduiding voor inhoud 2"/>
+          <p:cNvSpPr>
+            <a:spLocks noGrp="1"/>
+          </p:cNvSpPr>
+          <p:nvPr>
+            <p:ph idx="1"/>
+          </p:nvPr>
+        </p:nvSpPr>
+        <p:spPr/>
+        <p:txBody>
+          <a:bodyPr>
+            <a:normAutofit/>
+          </a:bodyPr>
+          <a:lstStyle/>
+          <a:p>
+            <a:r>
+              <a:rPr lang="nl-NL" sz="2600" dirty="0"/>
+              <a:t>Open issue</a:t>
+            </a:r>
+            <a:endParaRPr lang="en-US" sz="2600" dirty="0"/>
+          </a:p>
+        </p:txBody>
+      </p:sp>
+    </p:spTree>
+    <p:extLst>
+      <p:ext uri="{BB962C8B-B14F-4D97-AF65-F5344CB8AC3E}">
+        <p14:creationId xmlns:p14="http://schemas.microsoft.com/office/powerpoint/2010/main" val="3857441019"/>
+      </p:ext>
+    </p:extLst>
+  </p:cSld>
+  <p:clrMapOvr>
+    <a:masterClrMapping/>
+  </p:clrMapOvr>
+</p:sld>
+</file>
+
+<file path=ppt/slides/slide9.xml><?xml version="1.0" encoding="utf-8"?>
+<p:sld xmlns:a="http://schemas.openxmlformats.org/drawingml/2006/main" xmlns:r="http://schemas.openxmlformats.org/officeDocument/2006/relationships" xmlns:p="http://schemas.openxmlformats.org/presentationml/2006/main">
+  <p:cSld>
+    <p:spTree>
+      <p:nvGrpSpPr>
+        <p:cNvPr id="1" name=""/>
+        <p:cNvGrpSpPr/>
+        <p:nvPr/>
+      </p:nvGrpSpPr>
+      <p:grpSpPr>
+        <a:xfrm>
+          <a:off x="0" y="0"/>
+          <a:ext cx="0" cy="0"/>
+          <a:chOff x="0" y="0"/>
+          <a:chExt cx="0" cy="0"/>
+        </a:xfrm>
+      </p:grpSpPr>
+      <p:sp>
+        <p:nvSpPr>
+          <p:cNvPr id="2" name="Titel 1"/>
+          <p:cNvSpPr>
+            <a:spLocks noGrp="1"/>
+          </p:cNvSpPr>
+          <p:nvPr>
+            <p:ph type="title"/>
+          </p:nvPr>
+        </p:nvSpPr>
+        <p:spPr/>
+        <p:txBody>
+          <a:bodyPr/>
+          <a:lstStyle/>
+          <a:p>
+            <a:r>
+              <a:rPr lang="nl-NL" dirty="0"/>
+              <a:t>Eerste stappen</a:t>
+            </a:r>
+            <a:endParaRPr lang="en-US" dirty="0"/>
+          </a:p>
+        </p:txBody>
+      </p:sp>
+      <p:sp>
+        <p:nvSpPr>
+          <p:cNvPr id="3" name="Tijdelijke aanduiding voor inhoud 2"/>
+          <p:cNvSpPr>
+            <a:spLocks noGrp="1"/>
+          </p:cNvSpPr>
+          <p:nvPr>
+            <p:ph idx="1"/>
+          </p:nvPr>
+        </p:nvSpPr>
+        <p:spPr/>
+        <p:txBody>
+          <a:bodyPr>
+            <a:normAutofit/>
+          </a:bodyPr>
+          <a:lstStyle/>
+          <a:p>
+            <a:r>
+              <a:rPr lang="nl-NL" sz="2800" dirty="0"/>
+              <a:t>Inladen van informatie over zaal, vak en student via CSV bestanden</a:t>
+            </a:r>
+          </a:p>
+          <a:p>
+            <a:r>
+              <a:rPr lang="nl-NL" sz="2800" dirty="0"/>
+              <a:t>Vak centraal stellen, zodat geen enkel vak twee keer gegeven hoeft te worden</a:t>
+            </a:r>
+          </a:p>
+          <a:p>
+            <a:r>
+              <a:rPr lang="nl-NL" sz="2800" dirty="0"/>
+              <a:t>Classes creëren voor zaal, vak en student</a:t>
+            </a:r>
+          </a:p>
+          <a:p>
+            <a:endParaRPr lang="en-US" sz="2800" dirty="0"/>
+          </a:p>
+        </p:txBody>
+      </p:sp>
+    </p:spTree>
+    <p:extLst>
+      <p:ext uri="{BB962C8B-B14F-4D97-AF65-F5344CB8AC3E}">
+        <p14:creationId xmlns:p14="http://schemas.microsoft.com/office/powerpoint/2010/main" val="956271219"/>
       </p:ext>
     </p:extLst>
   </p:cSld>
